--- a/S3 - Ruby Application.pptx
+++ b/S3 - Ruby Application.pptx
@@ -2773,7 +2773,7 @@
           <a:p>
             <a:fld id="{8569B522-8390-453B-A8F0-3C96BAC841F8}" type="datetimeFigureOut">
               <a:rPr lang="en-US" smtClean="0"/>
-              <a:t>5/5/2015</a:t>
+              <a:t>5/6/2015</a:t>
             </a:fld>
             <a:endParaRPr lang="en-US" dirty="0"/>
           </a:p>
@@ -3101,12 +3101,25 @@
           </a:bodyPr>
           <a:lstStyle/>
           <a:p>
-            <a:pPr marL="285750" indent="-285750">
+            <a:pPr marL="0" indent="0">
               <a:spcBef>
                 <a:spcPct val="0"/>
               </a:spcBef>
               <a:buFont typeface="Wingdings"/>
-              <a:buChar char="Ø"/>
+              <a:buNone/>
+            </a:pPr>
+            <a:r>
+              <a:rPr lang="en-US" sz="1600" dirty="0" smtClean="0"/>
+              <a:t>-- this is really easy </a:t>
+            </a:r>
+          </a:p>
+          <a:p>
+            <a:pPr marL="0" indent="0">
+              <a:spcBef>
+                <a:spcPct val="0"/>
+              </a:spcBef>
+              <a:buFont typeface="Wingdings"/>
+              <a:buNone/>
             </a:pPr>
             <a:endParaRPr lang="en-US" sz="1600" dirty="0" smtClean="0"/>
           </a:p>
@@ -3164,6 +3177,230 @@
 </file>
 
 <file path=ppt/notesSlides/notesSlide2.xml><?xml version="1.0" encoding="utf-8"?>
+<p:notes xmlns:a="http://schemas.openxmlformats.org/drawingml/2006/main" xmlns:r="http://schemas.openxmlformats.org/officeDocument/2006/relationships" xmlns:p="http://schemas.openxmlformats.org/presentationml/2006/main">
+  <p:cSld>
+    <p:spTree>
+      <p:nvGrpSpPr>
+        <p:cNvPr id="1" name=""/>
+        <p:cNvGrpSpPr/>
+        <p:nvPr/>
+      </p:nvGrpSpPr>
+      <p:grpSpPr>
+        <a:xfrm>
+          <a:off x="0" y="0"/>
+          <a:ext cx="0" cy="0"/>
+          <a:chOff x="0" y="0"/>
+          <a:chExt cx="0" cy="0"/>
+        </a:xfrm>
+      </p:grpSpPr>
+      <p:sp>
+        <p:nvSpPr>
+          <p:cNvPr id="2" name="Slide Image Placeholder 1"/>
+          <p:cNvSpPr>
+            <a:spLocks noGrp="1" noRot="1" noChangeAspect="1"/>
+          </p:cNvSpPr>
+          <p:nvPr>
+            <p:ph type="sldImg"/>
+          </p:nvPr>
+        </p:nvSpPr>
+        <p:spPr/>
+      </p:sp>
+      <p:sp>
+        <p:nvSpPr>
+          <p:cNvPr id="3" name="Notes Placeholder 2"/>
+          <p:cNvSpPr>
+            <a:spLocks noGrp="1"/>
+          </p:cNvSpPr>
+          <p:nvPr>
+            <p:ph type="body" idx="1"/>
+          </p:nvPr>
+        </p:nvSpPr>
+        <p:spPr/>
+        <p:txBody>
+          <a:bodyPr/>
+          <a:lstStyle/>
+          <a:p>
+            <a:r>
+              <a:rPr lang="en-US" dirty="0" smtClean="0"/>
+              <a:t>4 – Ruby code to read a file and assign the content to a variable</a:t>
+            </a:r>
+          </a:p>
+          <a:p>
+            <a:r>
+              <a:rPr lang="en-US" dirty="0" smtClean="0"/>
+              <a:t>5</a:t>
+            </a:r>
+            <a:r>
+              <a:rPr lang="en-US" baseline="0" dirty="0" smtClean="0"/>
+              <a:t> – call to the mdTranslator</a:t>
+            </a:r>
+          </a:p>
+          <a:p>
+            <a:r>
+              <a:rPr lang="en-US" baseline="0" dirty="0" smtClean="0"/>
+              <a:t>5 – the parameter list is ‘named’ position of the parameters in the list is not important. </a:t>
+            </a:r>
+            <a:endParaRPr lang="en-US" dirty="0"/>
+          </a:p>
+        </p:txBody>
+      </p:sp>
+      <p:sp>
+        <p:nvSpPr>
+          <p:cNvPr id="4" name="Slide Number Placeholder 3"/>
+          <p:cNvSpPr>
+            <a:spLocks noGrp="1"/>
+          </p:cNvSpPr>
+          <p:nvPr>
+            <p:ph type="sldNum" sz="quarter" idx="10"/>
+          </p:nvPr>
+        </p:nvSpPr>
+        <p:spPr/>
+        <p:txBody>
+          <a:bodyPr/>
+          <a:lstStyle/>
+          <a:p>
+            <a:fld id="{86E298D3-FAEC-4429-BBB2-6E24FE792F56}" type="slidenum">
+              <a:rPr lang="en-US" smtClean="0"/>
+              <a:t>3</a:t>
+            </a:fld>
+            <a:endParaRPr lang="en-US" dirty="0"/>
+          </a:p>
+        </p:txBody>
+      </p:sp>
+    </p:spTree>
+    <p:extLst>
+      <p:ext uri="{BB962C8B-B14F-4D97-AF65-F5344CB8AC3E}">
+        <p14:creationId xmlns:p14="http://schemas.microsoft.com/office/powerpoint/2010/main" val="3265245892"/>
+      </p:ext>
+    </p:extLst>
+  </p:cSld>
+  <p:clrMapOvr>
+    <a:masterClrMapping/>
+  </p:clrMapOvr>
+</p:notes>
+</file>
+
+<file path=ppt/notesSlides/notesSlide3.xml><?xml version="1.0" encoding="utf-8"?>
+<p:notes xmlns:a="http://schemas.openxmlformats.org/drawingml/2006/main" xmlns:r="http://schemas.openxmlformats.org/officeDocument/2006/relationships" xmlns:p="http://schemas.openxmlformats.org/presentationml/2006/main">
+  <p:cSld>
+    <p:spTree>
+      <p:nvGrpSpPr>
+        <p:cNvPr id="1" name=""/>
+        <p:cNvGrpSpPr/>
+        <p:nvPr/>
+      </p:nvGrpSpPr>
+      <p:grpSpPr>
+        <a:xfrm>
+          <a:off x="0" y="0"/>
+          <a:ext cx="0" cy="0"/>
+          <a:chOff x="0" y="0"/>
+          <a:chExt cx="0" cy="0"/>
+        </a:xfrm>
+      </p:grpSpPr>
+      <p:sp>
+        <p:nvSpPr>
+          <p:cNvPr id="2" name="Slide Image Placeholder 1"/>
+          <p:cNvSpPr>
+            <a:spLocks noGrp="1" noRot="1" noChangeAspect="1"/>
+          </p:cNvSpPr>
+          <p:nvPr>
+            <p:ph type="sldImg"/>
+          </p:nvPr>
+        </p:nvSpPr>
+        <p:spPr/>
+      </p:sp>
+      <p:sp>
+        <p:nvSpPr>
+          <p:cNvPr id="3" name="Notes Placeholder 2"/>
+          <p:cNvSpPr>
+            <a:spLocks noGrp="1"/>
+          </p:cNvSpPr>
+          <p:nvPr>
+            <p:ph type="body" idx="1"/>
+          </p:nvPr>
+        </p:nvSpPr>
+        <p:spPr/>
+        <p:txBody>
+          <a:bodyPr/>
+          <a:lstStyle/>
+          <a:p>
+            <a:r>
+              <a:rPr lang="en-US" dirty="0" smtClean="0"/>
+              <a:t>6 – a Ruby</a:t>
+            </a:r>
+            <a:r>
+              <a:rPr lang="en-US" baseline="0" dirty="0" smtClean="0"/>
+              <a:t> hash is returned from the </a:t>
+            </a:r>
+            <a:r>
+              <a:rPr lang="en-US" baseline="0" dirty="0" err="1" smtClean="0"/>
+              <a:t>mdTranslator.translate</a:t>
+            </a:r>
+            <a:r>
+              <a:rPr lang="en-US" baseline="0" dirty="0" smtClean="0"/>
+              <a:t> method </a:t>
+            </a:r>
+          </a:p>
+          <a:p>
+            <a:r>
+              <a:rPr lang="en-US" baseline="0" dirty="0" smtClean="0"/>
+              <a:t>6 – extract the output from metadata[:</a:t>
+            </a:r>
+            <a:r>
+              <a:rPr lang="en-US" baseline="0" dirty="0" err="1" smtClean="0"/>
+              <a:t>writerOutput</a:t>
+            </a:r>
+            <a:r>
+              <a:rPr lang="en-US" baseline="0" dirty="0" smtClean="0"/>
+              <a:t>] </a:t>
+            </a:r>
+          </a:p>
+          <a:p>
+            <a:r>
+              <a:rPr lang="en-US" baseline="0" dirty="0" smtClean="0"/>
+              <a:t>7 – write the metadata output to a file </a:t>
+            </a:r>
+            <a:endParaRPr lang="en-US" dirty="0"/>
+          </a:p>
+        </p:txBody>
+      </p:sp>
+      <p:sp>
+        <p:nvSpPr>
+          <p:cNvPr id="4" name="Slide Number Placeholder 3"/>
+          <p:cNvSpPr>
+            <a:spLocks noGrp="1"/>
+          </p:cNvSpPr>
+          <p:nvPr>
+            <p:ph type="sldNum" sz="quarter" idx="10"/>
+          </p:nvPr>
+        </p:nvSpPr>
+        <p:spPr/>
+        <p:txBody>
+          <a:bodyPr/>
+          <a:lstStyle/>
+          <a:p>
+            <a:fld id="{86E298D3-FAEC-4429-BBB2-6E24FE792F56}" type="slidenum">
+              <a:rPr lang="en-US" smtClean="0"/>
+              <a:t>4</a:t>
+            </a:fld>
+            <a:endParaRPr lang="en-US" dirty="0"/>
+          </a:p>
+        </p:txBody>
+      </p:sp>
+    </p:spTree>
+    <p:extLst>
+      <p:ext uri="{BB962C8B-B14F-4D97-AF65-F5344CB8AC3E}">
+        <p14:creationId xmlns:p14="http://schemas.microsoft.com/office/powerpoint/2010/main" val="3209398604"/>
+      </p:ext>
+    </p:extLst>
+  </p:cSld>
+  <p:clrMapOvr>
+    <a:masterClrMapping/>
+  </p:clrMapOvr>
+</p:notes>
+</file>
+
+<file path=ppt/notesSlides/notesSlide4.xml><?xml version="1.0" encoding="utf-8"?>
 <p:notes xmlns:a="http://schemas.openxmlformats.org/drawingml/2006/main" xmlns:r="http://schemas.openxmlformats.org/officeDocument/2006/relationships" xmlns:p="http://schemas.openxmlformats.org/presentationml/2006/main">
   <p:cSld>
     <p:spTree>
@@ -3452,7 +3689,7 @@
                   </a:srgbClr>
                 </a:solidFill>
               </a:rPr>
-              <a:t>5/5/2015</a:t>
+              <a:t>5/6/2015</a:t>
             </a:fld>
             <a:endParaRPr lang="en-US" dirty="0">
               <a:solidFill>
@@ -3694,7 +3931,7 @@
                   </a:srgbClr>
                 </a:solidFill>
               </a:rPr>
-              <a:t>5/5/2015</a:t>
+              <a:t>5/6/2015</a:t>
             </a:fld>
             <a:endParaRPr lang="en-US" dirty="0">
               <a:solidFill>
@@ -3993,7 +4230,7 @@
               <a:pPr>
                 <a:defRPr/>
               </a:pPr>
-              <a:t>5/5/2015</a:t>
+              <a:t>5/6/2015</a:t>
             </a:fld>
             <a:endParaRPr lang="en-US" dirty="0">
               <a:solidFill>
@@ -4215,7 +4452,7 @@
               <a:pPr>
                 <a:defRPr/>
               </a:pPr>
-              <a:t>5/5/2015</a:t>
+              <a:t>5/6/2015</a:t>
             </a:fld>
             <a:endParaRPr lang="en-US" dirty="0">
               <a:solidFill>
@@ -4507,7 +4744,7 @@
               <a:pPr>
                 <a:defRPr/>
               </a:pPr>
-              <a:t>5/5/2015</a:t>
+              <a:t>5/6/2015</a:t>
             </a:fld>
             <a:endParaRPr lang="en-US" dirty="0">
               <a:solidFill>
@@ -4821,7 +5058,7 @@
               <a:pPr>
                 <a:defRPr/>
               </a:pPr>
-              <a:t>5/5/2015</a:t>
+              <a:t>5/6/2015</a:t>
             </a:fld>
             <a:endParaRPr lang="en-US" dirty="0">
               <a:solidFill>
@@ -5249,7 +5486,7 @@
               <a:pPr>
                 <a:defRPr/>
               </a:pPr>
-              <a:t>5/5/2015</a:t>
+              <a:t>5/6/2015</a:t>
             </a:fld>
             <a:endParaRPr lang="en-US" dirty="0">
               <a:solidFill>
@@ -5449,7 +5686,7 @@
               <a:pPr>
                 <a:defRPr/>
               </a:pPr>
-              <a:t>5/5/2015</a:t>
+              <a:t>5/6/2015</a:t>
             </a:fld>
             <a:endParaRPr lang="en-US" dirty="0">
               <a:solidFill>
@@ -5589,7 +5826,7 @@
               <a:pPr>
                 <a:defRPr/>
               </a:pPr>
-              <a:t>5/5/2015</a:t>
+              <a:t>5/6/2015</a:t>
             </a:fld>
             <a:endParaRPr lang="en-US" dirty="0">
               <a:solidFill>
@@ -5900,7 +6137,7 @@
               <a:pPr>
                 <a:defRPr/>
               </a:pPr>
-              <a:t>5/5/2015</a:t>
+              <a:t>5/6/2015</a:t>
             </a:fld>
             <a:endParaRPr lang="en-US" dirty="0">
               <a:solidFill>
@@ -6260,7 +6497,7 @@
               <a:pPr>
                 <a:defRPr/>
               </a:pPr>
-              <a:t>5/5/2015</a:t>
+              <a:t>5/6/2015</a:t>
             </a:fld>
             <a:endParaRPr lang="en-US" dirty="0">
               <a:solidFill>
@@ -6840,7 +7077,7 @@
                   </a:srgbClr>
                 </a:solidFill>
               </a:rPr>
-              <a:t>5/5/2015</a:t>
+              <a:t>5/6/2015</a:t>
             </a:fld>
             <a:endParaRPr lang="en-US" dirty="0">
               <a:solidFill>
@@ -7076,7 +7313,7 @@
               <a:pPr>
                 <a:defRPr/>
               </a:pPr>
-              <a:t>5/5/2015</a:t>
+              <a:t>5/6/2015</a:t>
             </a:fld>
             <a:endParaRPr lang="en-US" dirty="0">
               <a:solidFill>
@@ -7301,7 +7538,7 @@
               <a:pPr>
                 <a:defRPr/>
               </a:pPr>
-              <a:t>5/5/2015</a:t>
+              <a:t>5/6/2015</a:t>
             </a:fld>
             <a:endParaRPr lang="en-US" dirty="0">
               <a:solidFill>
@@ -7546,7 +7783,7 @@
                   </a:srgbClr>
                 </a:solidFill>
               </a:rPr>
-              <a:t>5/5/2015</a:t>
+              <a:t>5/6/2015</a:t>
             </a:fld>
             <a:endParaRPr lang="en-US" dirty="0">
               <a:solidFill>
@@ -7921,7 +8158,7 @@
                   </a:srgbClr>
                 </a:solidFill>
               </a:rPr>
-              <a:t>5/5/2015</a:t>
+              <a:t>5/6/2015</a:t>
             </a:fld>
             <a:endParaRPr lang="en-US" dirty="0">
               <a:solidFill>
@@ -8223,7 +8460,7 @@
                   </a:srgbClr>
                 </a:solidFill>
               </a:rPr>
-              <a:t>5/5/2015</a:t>
+              <a:t>5/6/2015</a:t>
             </a:fld>
             <a:endParaRPr lang="en-US" dirty="0">
               <a:solidFill>
@@ -8380,7 +8617,7 @@
                   </a:srgbClr>
                 </a:solidFill>
               </a:rPr>
-              <a:t>5/5/2015</a:t>
+              <a:t>5/6/2015</a:t>
             </a:fld>
             <a:endParaRPr lang="en-US" dirty="0">
               <a:solidFill>
@@ -8735,7 +8972,7 @@
                   </a:srgbClr>
                 </a:solidFill>
               </a:rPr>
-              <a:t>5/5/2015</a:t>
+              <a:t>5/6/2015</a:t>
             </a:fld>
             <a:endParaRPr lang="en-US" dirty="0">
               <a:solidFill>
@@ -9071,7 +9308,7 @@
                   </a:srgbClr>
                 </a:solidFill>
               </a:rPr>
-              <a:t>5/5/2015</a:t>
+              <a:t>5/6/2015</a:t>
             </a:fld>
             <a:endParaRPr lang="en-US" dirty="0">
               <a:solidFill>
@@ -9308,7 +9545,7 @@
                   </a:srgbClr>
                 </a:solidFill>
               </a:rPr>
-              <a:t>5/5/2015</a:t>
+              <a:t>5/6/2015</a:t>
             </a:fld>
             <a:endParaRPr lang="en-US" dirty="0">
               <a:solidFill>
@@ -9591,7 +9828,7 @@
             <a:fld id="{5AE4DD19-95FB-4280-9209-E7E1030A9938}" type="datetime1">
               <a:rPr lang="en-US" smtClean="0"/>
               <a:pPr/>
-              <a:t>5/5/2015</a:t>
+              <a:t>5/6/2015</a:t>
             </a:fld>
             <a:r>
               <a:rPr lang="en-US" dirty="0" smtClean="0"/>
@@ -10564,7 +10801,7 @@
                 </a:spcAft>
                 <a:defRPr/>
               </a:pPr>
-              <a:t>5/5/2015</a:t>
+              <a:t>5/6/2015</a:t>
             </a:fld>
             <a:endParaRPr lang="en-US" dirty="0">
               <a:solidFill>
@@ -11309,11 +11546,7 @@
             </a:br>
             <a:r>
               <a:rPr lang="en-US" sz="6000" spc="-150" dirty="0" smtClean="0"/>
-              <a:t>- mdTranslator in </a:t>
-            </a:r>
-            <a:r>
-              <a:rPr lang="en-US" sz="6000" spc="-150" dirty="0" smtClean="0"/>
-              <a:t>Ruby</a:t>
+              <a:t>- mdTranslator in Ruby</a:t>
             </a:r>
             <a:r>
               <a:rPr lang="en-US" sz="6600" spc="-150" dirty="0" smtClean="0"/>
@@ -11485,7 +11718,11 @@
           <a:bodyPr/>
           <a:lstStyle/>
           <a:p>
-            <a:endParaRPr lang="en-US"/>
+            <a:r>
+              <a:rPr lang="en-US" dirty="0" smtClean="0"/>
+              <a:t>mdTranslator in Ruby 1</a:t>
+            </a:r>
+            <a:endParaRPr lang="en-US" dirty="0"/>
           </a:p>
         </p:txBody>
       </p:sp>
@@ -11512,11 +11749,23 @@
             </a:pPr>
             <a:r>
               <a:rPr lang="en-US" sz="1800" dirty="0" smtClean="0"/>
-              <a:t>Complete the i</a:t>
+              <a:t>Complete the installation of Ruby and the adiwg-mdtranslator gem if </a:t>
             </a:r>
             <a:r>
               <a:rPr lang="en-US" sz="1800" dirty="0" smtClean="0"/>
-              <a:t>nstallation of Ruby and the adiwg-mdtranslator gem if this has not already be done. </a:t>
+              <a:t>not </a:t>
+            </a:r>
+            <a:r>
+              <a:rPr lang="en-US" sz="1800" dirty="0" smtClean="0"/>
+              <a:t>already </a:t>
+            </a:r>
+            <a:r>
+              <a:rPr lang="en-US" sz="1800" dirty="0" smtClean="0"/>
+              <a:t>done</a:t>
+            </a:r>
+            <a:r>
+              <a:rPr lang="en-US" sz="1800" dirty="0" smtClean="0"/>
+              <a:t>. </a:t>
             </a:r>
           </a:p>
           <a:p>
@@ -11526,7 +11775,15 @@
             </a:pPr>
             <a:r>
               <a:rPr lang="en-US" sz="1800" dirty="0" smtClean="0"/>
-              <a:t>In your favorite code editor create a new file ‘</a:t>
+              <a:t>Use your </a:t>
+            </a:r>
+            <a:r>
+              <a:rPr lang="en-US" sz="1800" dirty="0" smtClean="0"/>
+              <a:t>favorite code editor create a new file </a:t>
+            </a:r>
+            <a:r>
+              <a:rPr lang="en-US" sz="1800" dirty="0" smtClean="0"/>
+              <a:t>named ‘</a:t>
             </a:r>
             <a:r>
               <a:rPr lang="en-US" sz="1800" dirty="0" err="1" smtClean="0"/>
@@ -11586,7 +11843,7 @@
                   </a:srgbClr>
                 </a:solidFill>
               </a:rPr>
-              <a:t>5/5/2015</a:t>
+              <a:t>5/6/2015</a:t>
             </a:fld>
             <a:endParaRPr lang="en-US" dirty="0">
               <a:solidFill>
@@ -11685,8 +11942,8 @@
         </p:nvSpPr>
         <p:spPr>
           <a:xfrm>
-            <a:off x="1905000" y="3083004"/>
-            <a:ext cx="4876800" cy="1107996"/>
+            <a:off x="1371600" y="3083004"/>
+            <a:ext cx="6400800" cy="1015663"/>
           </a:xfrm>
           <a:prstGeom prst="rect">
             <a:avLst/>
@@ -11715,7 +11972,7 @@
           <a:lstStyle/>
           <a:p>
             <a:r>
-              <a:rPr lang="en-US" sz="1100" i="1" dirty="0">
+              <a:rPr lang="en-US" sz="1200" i="1" dirty="0">
                 <a:solidFill>
                   <a:srgbClr val="BC9458"/>
                 </a:solidFill>
@@ -11724,7 +11981,7 @@
               <a:t># simple mdTranslator Ruby application</a:t>
             </a:r>
             <a:br>
-              <a:rPr lang="en-US" sz="1100" i="1" dirty="0">
+              <a:rPr lang="en-US" sz="1200" i="1" dirty="0">
                 <a:solidFill>
                   <a:srgbClr val="BC9458"/>
                 </a:solidFill>
@@ -11732,7 +11989,7 @@
               </a:rPr>
             </a:br>
             <a:r>
-              <a:rPr lang="en-US" sz="1100" i="1" dirty="0">
+              <a:rPr lang="en-US" sz="1200" i="1" dirty="0">
                 <a:solidFill>
                   <a:srgbClr val="BC9458"/>
                 </a:solidFill>
@@ -11741,7 +11998,7 @@
               <a:t/>
             </a:r>
             <a:br>
-              <a:rPr lang="en-US" sz="1100" i="1" dirty="0">
+              <a:rPr lang="en-US" sz="1200" i="1" dirty="0">
                 <a:solidFill>
                   <a:srgbClr val="BC9458"/>
                 </a:solidFill>
@@ -11749,7 +12006,7 @@
               </a:rPr>
             </a:br>
             <a:r>
-              <a:rPr lang="en-US" sz="1100" i="1" dirty="0">
+              <a:rPr lang="en-US" sz="1200" i="1" dirty="0">
                 <a:solidFill>
                   <a:srgbClr val="BC9458"/>
                 </a:solidFill>
@@ -11758,7 +12015,7 @@
               <a:t># include the adiwg-mdtranslator RubyGem in the application</a:t>
             </a:r>
             <a:br>
-              <a:rPr lang="en-US" sz="1100" i="1" dirty="0">
+              <a:rPr lang="en-US" sz="1200" i="1" dirty="0">
                 <a:solidFill>
                   <a:srgbClr val="BC9458"/>
                 </a:solidFill>
@@ -11766,7 +12023,7 @@
               </a:rPr>
             </a:br>
             <a:r>
-              <a:rPr lang="en-US" sz="1100" dirty="0">
+              <a:rPr lang="en-US" sz="1200" dirty="0">
                 <a:solidFill>
                   <a:srgbClr val="DA4939"/>
                 </a:solidFill>
@@ -11775,7 +12032,7 @@
               <a:t>require </a:t>
             </a:r>
             <a:r>
-              <a:rPr lang="en-US" sz="1100" dirty="0">
+              <a:rPr lang="en-US" sz="1200" dirty="0">
                 <a:solidFill>
                   <a:srgbClr val="A5C25C"/>
                 </a:solidFill>
@@ -11784,14 +12041,14 @@
               <a:t>'adiwg-mdtranslator'</a:t>
             </a:r>
             <a:br>
-              <a:rPr lang="en-US" sz="1100" dirty="0">
+              <a:rPr lang="en-US" sz="1200" dirty="0">
                 <a:solidFill>
                   <a:srgbClr val="A5C25C"/>
                 </a:solidFill>
                 <a:latin typeface="Courier New"/>
               </a:rPr>
             </a:br>
-            <a:endParaRPr lang="en-US" sz="1100" dirty="0">
+            <a:endParaRPr lang="en-US" sz="1200" dirty="0">
               <a:solidFill>
                 <a:srgbClr val="A5C25C"/>
               </a:solidFill>
@@ -11852,7 +12109,15 @@
           <a:bodyPr/>
           <a:lstStyle/>
           <a:p>
-            <a:endParaRPr lang="en-US"/>
+            <a:r>
+              <a:rPr lang="en-US" dirty="0"/>
+              <a:t>mdTranslator in Ruby </a:t>
+            </a:r>
+            <a:r>
+              <a:rPr lang="en-US" dirty="0" smtClean="0"/>
+              <a:t>2</a:t>
+            </a:r>
+            <a:endParaRPr lang="en-US" dirty="0"/>
           </a:p>
         </p:txBody>
       </p:sp>
@@ -11956,7 +12221,7 @@
                   </a:srgbClr>
                 </a:solidFill>
               </a:rPr>
-              <a:t>5/5/2015</a:t>
+              <a:t>5/6/2015</a:t>
             </a:fld>
             <a:endParaRPr lang="en-US" dirty="0">
               <a:solidFill>
@@ -12055,8 +12320,8 @@
         </p:nvSpPr>
         <p:spPr>
           <a:xfrm>
-            <a:off x="1905000" y="2133600"/>
-            <a:ext cx="5105400" cy="938719"/>
+            <a:off x="1371600" y="2133600"/>
+            <a:ext cx="6400800" cy="1015663"/>
           </a:xfrm>
           <a:prstGeom prst="rect">
             <a:avLst/>
@@ -12085,7 +12350,7 @@
           <a:lstStyle/>
           <a:p>
             <a:r>
-              <a:rPr lang="en-US" sz="1100" i="1" dirty="0">
+              <a:rPr lang="en-US" sz="1200" i="1" dirty="0">
                 <a:solidFill>
                   <a:srgbClr val="BC9458"/>
                 </a:solidFill>
@@ -12094,7 +12359,7 @@
               <a:t># read file in the mdJson file</a:t>
             </a:r>
             <a:br>
-              <a:rPr lang="en-US" sz="1100" i="1" dirty="0">
+              <a:rPr lang="en-US" sz="1200" i="1" dirty="0">
                 <a:solidFill>
                   <a:srgbClr val="BC9458"/>
                 </a:solidFill>
@@ -12102,7 +12367,7 @@
               </a:rPr>
             </a:br>
             <a:r>
-              <a:rPr lang="en-US" sz="1100" b="1" dirty="0" err="1">
+              <a:rPr lang="en-US" sz="1200" b="1" dirty="0" err="1">
                 <a:solidFill>
                   <a:srgbClr val="0096DF"/>
                 </a:solidFill>
@@ -12111,7 +12376,7 @@
               <a:t>my_file</a:t>
             </a:r>
             <a:r>
-              <a:rPr lang="en-US" sz="1100" b="1" dirty="0">
+              <a:rPr lang="en-US" sz="1200" b="1" dirty="0">
                 <a:solidFill>
                   <a:srgbClr val="0096DF"/>
                 </a:solidFill>
@@ -12120,7 +12385,7 @@
               <a:t> </a:t>
             </a:r>
             <a:r>
-              <a:rPr lang="en-US" sz="1100" dirty="0">
+              <a:rPr lang="en-US" sz="1200" dirty="0">
                 <a:solidFill>
                   <a:srgbClr val="CC7833"/>
                 </a:solidFill>
@@ -12129,7 +12394,7 @@
               <a:t>= </a:t>
             </a:r>
             <a:r>
-              <a:rPr lang="en-US" sz="1100" dirty="0" err="1">
+              <a:rPr lang="en-US" sz="1200" dirty="0" err="1">
                 <a:solidFill>
                   <a:srgbClr val="DA4939"/>
                 </a:solidFill>
@@ -12138,7 +12403,7 @@
               <a:t>File</a:t>
             </a:r>
             <a:r>
-              <a:rPr lang="en-US" sz="1100" dirty="0" err="1">
+              <a:rPr lang="en-US" sz="1200" dirty="0" err="1">
                 <a:solidFill>
                   <a:srgbClr val="A9B7C6"/>
                 </a:solidFill>
@@ -12147,7 +12412,7 @@
               <a:t>.open</a:t>
             </a:r>
             <a:r>
-              <a:rPr lang="en-US" sz="1100" dirty="0">
+              <a:rPr lang="en-US" sz="1200" dirty="0">
                 <a:solidFill>
                   <a:srgbClr val="A9B7C6"/>
                 </a:solidFill>
@@ -12156,7 +12421,7 @@
               <a:t>(</a:t>
             </a:r>
             <a:r>
-              <a:rPr lang="en-US" sz="1100" dirty="0">
+              <a:rPr lang="en-US" sz="1200" dirty="0">
                 <a:solidFill>
                   <a:srgbClr val="A5C25C"/>
                 </a:solidFill>
@@ -12165,7 +12430,7 @@
               <a:t>'C:\Users</a:t>
             </a:r>
             <a:r>
-              <a:rPr lang="en-US" sz="1100" dirty="0" smtClean="0">
+              <a:rPr lang="en-US" sz="1200" dirty="0" smtClean="0">
                 <a:solidFill>
                   <a:srgbClr val="A5C25C"/>
                 </a:solidFill>
@@ -12174,7 +12439,7 @@
               <a:t>\...\</a:t>
             </a:r>
             <a:r>
-              <a:rPr lang="en-US" sz="1100" dirty="0" err="1">
+              <a:rPr lang="en-US" sz="1200" dirty="0" err="1">
                 <a:solidFill>
                   <a:srgbClr val="A5C25C"/>
                 </a:solidFill>
@@ -12183,7 +12448,7 @@
               <a:t>full_example.json</a:t>
             </a:r>
             <a:r>
-              <a:rPr lang="en-US" sz="1100" dirty="0">
+              <a:rPr lang="en-US" sz="1200" dirty="0">
                 <a:solidFill>
                   <a:srgbClr val="A5C25C"/>
                 </a:solidFill>
@@ -12192,7 +12457,7 @@
               <a:t>'</a:t>
             </a:r>
             <a:r>
-              <a:rPr lang="en-US" sz="1100" dirty="0">
+              <a:rPr lang="en-US" sz="1200" dirty="0">
                 <a:solidFill>
                   <a:srgbClr val="CC7832"/>
                 </a:solidFill>
@@ -12201,7 +12466,7 @@
               <a:t>, </a:t>
             </a:r>
             <a:r>
-              <a:rPr lang="en-US" sz="1100" dirty="0">
+              <a:rPr lang="en-US" sz="1200" dirty="0">
                 <a:solidFill>
                   <a:srgbClr val="A5C25C"/>
                 </a:solidFill>
@@ -12210,7 +12475,7 @@
               <a:t>'r'</a:t>
             </a:r>
             <a:r>
-              <a:rPr lang="en-US" sz="1100" dirty="0">
+              <a:rPr lang="en-US" sz="1200" dirty="0">
                 <a:solidFill>
                   <a:srgbClr val="A9B7C6"/>
                 </a:solidFill>
@@ -12219,7 +12484,7 @@
               <a:t>)</a:t>
             </a:r>
             <a:br>
-              <a:rPr lang="en-US" sz="1100" dirty="0">
+              <a:rPr lang="en-US" sz="1200" dirty="0">
                 <a:solidFill>
                   <a:srgbClr val="A9B7C6"/>
                 </a:solidFill>
@@ -12227,7 +12492,7 @@
               </a:rPr>
             </a:br>
             <a:r>
-              <a:rPr lang="en-US" sz="1100" b="1" dirty="0" err="1">
+              <a:rPr lang="en-US" sz="1200" b="1" dirty="0" err="1">
                 <a:solidFill>
                   <a:srgbClr val="0096DF"/>
                 </a:solidFill>
@@ -12236,7 +12501,7 @@
               <a:t>jsonObj</a:t>
             </a:r>
             <a:r>
-              <a:rPr lang="en-US" sz="1100" b="1" dirty="0">
+              <a:rPr lang="en-US" sz="1200" b="1" dirty="0">
                 <a:solidFill>
                   <a:srgbClr val="0096DF"/>
                 </a:solidFill>
@@ -12245,7 +12510,7 @@
               <a:t> </a:t>
             </a:r>
             <a:r>
-              <a:rPr lang="en-US" sz="1100" dirty="0">
+              <a:rPr lang="en-US" sz="1200" dirty="0">
                 <a:solidFill>
                   <a:srgbClr val="CC7833"/>
                 </a:solidFill>
@@ -12254,7 +12519,7 @@
               <a:t>= </a:t>
             </a:r>
             <a:r>
-              <a:rPr lang="en-US" sz="1100" b="1" dirty="0" err="1">
+              <a:rPr lang="en-US" sz="1200" b="1" dirty="0" err="1">
                 <a:solidFill>
                   <a:srgbClr val="0096DF"/>
                 </a:solidFill>
@@ -12263,7 +12528,7 @@
               <a:t>my_file</a:t>
             </a:r>
             <a:r>
-              <a:rPr lang="en-US" sz="1100" dirty="0" err="1">
+              <a:rPr lang="en-US" sz="1200" dirty="0" err="1">
                 <a:solidFill>
                   <a:srgbClr val="A9B7C6"/>
                 </a:solidFill>
@@ -12272,7 +12537,7 @@
               <a:t>.read</a:t>
             </a:r>
             <a:r>
-              <a:rPr lang="en-US" sz="1100" dirty="0">
+              <a:rPr lang="en-US" sz="1200" dirty="0">
                 <a:solidFill>
                   <a:srgbClr val="A9B7C6"/>
                 </a:solidFill>
@@ -12281,7 +12546,7 @@
               <a:t/>
             </a:r>
             <a:br>
-              <a:rPr lang="en-US" sz="1100" dirty="0">
+              <a:rPr lang="en-US" sz="1200" dirty="0">
                 <a:solidFill>
                   <a:srgbClr val="A9B7C6"/>
                 </a:solidFill>
@@ -12289,7 +12554,7 @@
               </a:rPr>
             </a:br>
             <a:r>
-              <a:rPr lang="en-US" sz="1100" b="1" dirty="0" err="1">
+              <a:rPr lang="en-US" sz="1200" b="1" dirty="0" err="1">
                 <a:solidFill>
                   <a:srgbClr val="0096DF"/>
                 </a:solidFill>
@@ -12298,7 +12563,7 @@
               <a:t>my_file</a:t>
             </a:r>
             <a:r>
-              <a:rPr lang="en-US" sz="1100" dirty="0" err="1">
+              <a:rPr lang="en-US" sz="1200" dirty="0" err="1">
                 <a:solidFill>
                   <a:srgbClr val="A9B7C6"/>
                 </a:solidFill>
@@ -12307,7 +12572,7 @@
               <a:t>.close</a:t>
             </a:r>
             <a:r>
-              <a:rPr lang="en-US" sz="1100" dirty="0">
+              <a:rPr lang="en-US" sz="1200" dirty="0">
                 <a:solidFill>
                   <a:srgbClr val="A9B7C6"/>
                 </a:solidFill>
@@ -12316,14 +12581,14 @@
               <a:t/>
             </a:r>
             <a:br>
-              <a:rPr lang="en-US" sz="1100" dirty="0">
+              <a:rPr lang="en-US" sz="1200" dirty="0">
                 <a:solidFill>
                   <a:srgbClr val="A9B7C6"/>
                 </a:solidFill>
                 <a:latin typeface="Courier New"/>
               </a:rPr>
             </a:br>
-            <a:endParaRPr lang="en-US" sz="1100" dirty="0">
+            <a:endParaRPr lang="en-US" sz="1200" dirty="0">
               <a:solidFill>
                 <a:srgbClr val="A9B7C6"/>
               </a:solidFill>
@@ -12340,8 +12605,8 @@
         </p:nvSpPr>
         <p:spPr>
           <a:xfrm>
-            <a:off x="1905000" y="4073604"/>
-            <a:ext cx="5105400" cy="1107996"/>
+            <a:off x="1371600" y="4073604"/>
+            <a:ext cx="6400800" cy="1200329"/>
           </a:xfrm>
           <a:prstGeom prst="rect">
             <a:avLst/>
@@ -12370,7 +12635,7 @@
           <a:lstStyle/>
           <a:p>
             <a:r>
-              <a:rPr lang="en-US" sz="1100" i="1" dirty="0">
+              <a:rPr lang="en-US" sz="1200" i="1" dirty="0">
                 <a:solidFill>
                   <a:srgbClr val="BC9458"/>
                 </a:solidFill>
@@ -12379,7 +12644,7 @@
               <a:t># call </a:t>
             </a:r>
             <a:r>
-              <a:rPr lang="en-US" sz="1100" i="1" dirty="0" err="1">
+              <a:rPr lang="en-US" sz="1200" i="1" dirty="0" err="1">
                 <a:solidFill>
                   <a:srgbClr val="BC9458"/>
                 </a:solidFill>
@@ -12388,7 +12653,7 @@
               <a:t>mdtranslator</a:t>
             </a:r>
             <a:r>
-              <a:rPr lang="en-US" sz="1100" i="1" dirty="0">
+              <a:rPr lang="en-US" sz="1200" i="1" dirty="0">
                 <a:solidFill>
                   <a:srgbClr val="BC9458"/>
                 </a:solidFill>
@@ -12397,7 +12662,7 @@
               <a:t> with desired parameters</a:t>
             </a:r>
             <a:br>
-              <a:rPr lang="en-US" sz="1100" i="1" dirty="0">
+              <a:rPr lang="en-US" sz="1200" i="1" dirty="0">
                 <a:solidFill>
                   <a:srgbClr val="BC9458"/>
                 </a:solidFill>
@@ -12405,7 +12670,7 @@
               </a:rPr>
             </a:br>
             <a:r>
-              <a:rPr lang="en-US" sz="1100" i="1" dirty="0">
+              <a:rPr lang="en-US" sz="1200" i="1" dirty="0">
                 <a:solidFill>
                   <a:srgbClr val="BC9458"/>
                 </a:solidFill>
@@ -12414,7 +12679,7 @@
               <a:t># </a:t>
             </a:r>
             <a:r>
-              <a:rPr lang="en-US" sz="1100" i="1" dirty="0" err="1">
+              <a:rPr lang="en-US" sz="1200" i="1" dirty="0" err="1">
                 <a:solidFill>
                   <a:srgbClr val="BC9458"/>
                 </a:solidFill>
@@ -12423,7 +12688,7 @@
               <a:t>mdtranslator</a:t>
             </a:r>
             <a:r>
-              <a:rPr lang="en-US" sz="1100" i="1" dirty="0">
+              <a:rPr lang="en-US" sz="1200" i="1" dirty="0">
                 <a:solidFill>
                   <a:srgbClr val="BC9458"/>
                 </a:solidFill>
@@ -12432,7 +12697,7 @@
               <a:t> uses a 'named' parameter list</a:t>
             </a:r>
             <a:br>
-              <a:rPr lang="en-US" sz="1100" i="1" dirty="0">
+              <a:rPr lang="en-US" sz="1200" i="1" dirty="0">
                 <a:solidFill>
                   <a:srgbClr val="BC9458"/>
                 </a:solidFill>
@@ -12440,7 +12705,7 @@
               </a:rPr>
             </a:br>
             <a:r>
-              <a:rPr lang="en-US" sz="1100" b="1" dirty="0">
+              <a:rPr lang="en-US" sz="1200" b="1" dirty="0">
                 <a:solidFill>
                   <a:srgbClr val="0096DF"/>
                 </a:solidFill>
@@ -12449,7 +12714,7 @@
               <a:t>metadata </a:t>
             </a:r>
             <a:r>
-              <a:rPr lang="en-US" sz="1100" dirty="0">
+              <a:rPr lang="en-US" sz="1200" dirty="0">
                 <a:solidFill>
                   <a:srgbClr val="CC7833"/>
                 </a:solidFill>
@@ -12458,7 +12723,7 @@
               <a:t>= </a:t>
             </a:r>
             <a:r>
-              <a:rPr lang="en-US" sz="1100" dirty="0">
+              <a:rPr lang="en-US" sz="1200" dirty="0">
                 <a:solidFill>
                   <a:srgbClr val="DA4939"/>
                 </a:solidFill>
@@ -12467,7 +12732,7 @@
               <a:t>ADIWG</a:t>
             </a:r>
             <a:r>
-              <a:rPr lang="en-US" sz="1100" dirty="0">
+              <a:rPr lang="en-US" sz="1200" dirty="0">
                 <a:solidFill>
                   <a:srgbClr val="A9B7C6"/>
                 </a:solidFill>
@@ -12476,7 +12741,7 @@
               <a:t>::</a:t>
             </a:r>
             <a:r>
-              <a:rPr lang="en-US" sz="1100" dirty="0" err="1">
+              <a:rPr lang="en-US" sz="1200" dirty="0" err="1">
                 <a:solidFill>
                   <a:srgbClr val="DA4939"/>
                 </a:solidFill>
@@ -12485,7 +12750,7 @@
               <a:t>Mdtranslator</a:t>
             </a:r>
             <a:r>
-              <a:rPr lang="en-US" sz="1100" dirty="0" err="1">
+              <a:rPr lang="en-US" sz="1200" dirty="0" err="1">
                 <a:solidFill>
                   <a:srgbClr val="A9B7C6"/>
                 </a:solidFill>
@@ -12494,7 +12759,7 @@
               <a:t>.</a:t>
             </a:r>
             <a:r>
-              <a:rPr lang="en-US" sz="1100" dirty="0" err="1">
+              <a:rPr lang="en-US" sz="1200" dirty="0" err="1">
                 <a:solidFill>
                   <a:srgbClr val="DA4939"/>
                 </a:solidFill>
@@ -12503,7 +12768,7 @@
               <a:t>translate</a:t>
             </a:r>
             <a:r>
-              <a:rPr lang="en-US" sz="1100" dirty="0">
+              <a:rPr lang="en-US" sz="1200" dirty="0">
                 <a:solidFill>
                   <a:srgbClr val="A9B7C6"/>
                 </a:solidFill>
@@ -12512,7 +12777,7 @@
               <a:t>(</a:t>
             </a:r>
             <a:br>
-              <a:rPr lang="en-US" sz="1100" dirty="0">
+              <a:rPr lang="en-US" sz="1200" dirty="0">
                 <a:solidFill>
                   <a:srgbClr val="A9B7C6"/>
                 </a:solidFill>
@@ -12520,7 +12785,7 @@
               </a:rPr>
             </a:br>
             <a:r>
-              <a:rPr lang="en-US" sz="1100" dirty="0">
+              <a:rPr lang="en-US" sz="1200" dirty="0">
                 <a:solidFill>
                   <a:srgbClr val="A9B7C6"/>
                 </a:solidFill>
@@ -12529,7 +12794,7 @@
               <a:t>    </a:t>
             </a:r>
             <a:r>
-              <a:rPr lang="en-US" sz="1100" dirty="0">
+              <a:rPr lang="en-US" sz="1200" dirty="0">
                 <a:solidFill>
                   <a:srgbClr val="6E9CBE"/>
                 </a:solidFill>
@@ -12538,7 +12803,7 @@
               <a:t>file</a:t>
             </a:r>
             <a:r>
-              <a:rPr lang="en-US" sz="1100" dirty="0">
+              <a:rPr lang="en-US" sz="1200" dirty="0">
                 <a:solidFill>
                   <a:srgbClr val="A9B7C6"/>
                 </a:solidFill>
@@ -12547,7 +12812,7 @@
               <a:t>: </a:t>
             </a:r>
             <a:r>
-              <a:rPr lang="en-US" sz="1100" b="1" dirty="0" err="1">
+              <a:rPr lang="en-US" sz="1200" b="1" dirty="0" err="1">
                 <a:solidFill>
                   <a:srgbClr val="0096DF"/>
                 </a:solidFill>
@@ -12556,7 +12821,7 @@
               <a:t>jsonObj</a:t>
             </a:r>
             <a:r>
-              <a:rPr lang="en-US" sz="1100" dirty="0">
+              <a:rPr lang="en-US" sz="1200" dirty="0">
                 <a:solidFill>
                   <a:srgbClr val="CC7832"/>
                 </a:solidFill>
@@ -12565,7 +12830,7 @@
               <a:t>, </a:t>
             </a:r>
             <a:r>
-              <a:rPr lang="en-US" sz="1100" dirty="0">
+              <a:rPr lang="en-US" sz="1200" dirty="0">
                 <a:solidFill>
                   <a:srgbClr val="6E9CBE"/>
                 </a:solidFill>
@@ -12574,7 +12839,7 @@
               <a:t>reader</a:t>
             </a:r>
             <a:r>
-              <a:rPr lang="en-US" sz="1100" dirty="0">
+              <a:rPr lang="en-US" sz="1200" dirty="0">
                 <a:solidFill>
                   <a:srgbClr val="A9B7C6"/>
                 </a:solidFill>
@@ -12583,7 +12848,7 @@
               <a:t>: </a:t>
             </a:r>
             <a:r>
-              <a:rPr lang="en-US" sz="1100" dirty="0">
+              <a:rPr lang="en-US" sz="1200" dirty="0">
                 <a:solidFill>
                   <a:srgbClr val="A5C25C"/>
                 </a:solidFill>
@@ -12592,7 +12857,7 @@
               <a:t>'mdJson'</a:t>
             </a:r>
             <a:r>
-              <a:rPr lang="en-US" sz="1100" dirty="0">
+              <a:rPr lang="en-US" sz="1200" dirty="0">
                 <a:solidFill>
                   <a:srgbClr val="CC7832"/>
                 </a:solidFill>
@@ -12601,7 +12866,7 @@
               <a:t>, </a:t>
             </a:r>
             <a:r>
-              <a:rPr lang="en-US" sz="1100" dirty="0">
+              <a:rPr lang="en-US" sz="1200" dirty="0">
                 <a:solidFill>
                   <a:srgbClr val="6E9CBE"/>
                 </a:solidFill>
@@ -12610,7 +12875,7 @@
               <a:t>validate</a:t>
             </a:r>
             <a:r>
-              <a:rPr lang="en-US" sz="1100" dirty="0">
+              <a:rPr lang="en-US" sz="1200" dirty="0">
                 <a:solidFill>
                   <a:srgbClr val="A9B7C6"/>
                 </a:solidFill>
@@ -12619,7 +12884,7 @@
               <a:t>: </a:t>
             </a:r>
             <a:r>
-              <a:rPr lang="en-US" sz="1100" dirty="0">
+              <a:rPr lang="en-US" sz="1200" dirty="0">
                 <a:solidFill>
                   <a:srgbClr val="A5C25C"/>
                 </a:solidFill>
@@ -12628,7 +12893,7 @@
               <a:t>'normal'</a:t>
             </a:r>
             <a:r>
-              <a:rPr lang="en-US" sz="1100" dirty="0">
+              <a:rPr lang="en-US" sz="1200" dirty="0">
                 <a:solidFill>
                   <a:srgbClr val="CC7832"/>
                 </a:solidFill>
@@ -12637,7 +12902,7 @@
               <a:t>,</a:t>
             </a:r>
             <a:br>
-              <a:rPr lang="en-US" sz="1100" dirty="0">
+              <a:rPr lang="en-US" sz="1200" dirty="0">
                 <a:solidFill>
                   <a:srgbClr val="CC7832"/>
                 </a:solidFill>
@@ -12645,7 +12910,7 @@
               </a:rPr>
             </a:br>
             <a:r>
-              <a:rPr lang="en-US" sz="1100" dirty="0">
+              <a:rPr lang="en-US" sz="1200" dirty="0">
                 <a:solidFill>
                   <a:srgbClr val="CC7832"/>
                 </a:solidFill>
@@ -12654,7 +12919,7 @@
               <a:t>    </a:t>
             </a:r>
             <a:r>
-              <a:rPr lang="en-US" sz="1100" dirty="0">
+              <a:rPr lang="en-US" sz="1200" dirty="0">
                 <a:solidFill>
                   <a:srgbClr val="6E9CBE"/>
                 </a:solidFill>
@@ -12663,7 +12928,7 @@
               <a:t>writer</a:t>
             </a:r>
             <a:r>
-              <a:rPr lang="en-US" sz="1100" dirty="0">
+              <a:rPr lang="en-US" sz="1200" dirty="0">
                 <a:solidFill>
                   <a:srgbClr val="A9B7C6"/>
                 </a:solidFill>
@@ -12672,7 +12937,7 @@
               <a:t>: </a:t>
             </a:r>
             <a:r>
-              <a:rPr lang="en-US" sz="1100" dirty="0">
+              <a:rPr lang="en-US" sz="1200" dirty="0">
                 <a:solidFill>
                   <a:srgbClr val="A5C25C"/>
                 </a:solidFill>
@@ -12681,7 +12946,7 @@
               <a:t>'iso19115_2'</a:t>
             </a:r>
             <a:r>
-              <a:rPr lang="en-US" sz="1100" dirty="0">
+              <a:rPr lang="en-US" sz="1200" dirty="0">
                 <a:solidFill>
                   <a:srgbClr val="CC7832"/>
                 </a:solidFill>
@@ -12690,7 +12955,7 @@
               <a:t>, </a:t>
             </a:r>
             <a:r>
-              <a:rPr lang="en-US" sz="1100" dirty="0" err="1">
+              <a:rPr lang="en-US" sz="1200" dirty="0" err="1">
                 <a:solidFill>
                   <a:srgbClr val="6E9CBE"/>
                 </a:solidFill>
@@ -12699,7 +12964,7 @@
               <a:t>showAllTags</a:t>
             </a:r>
             <a:r>
-              <a:rPr lang="en-US" sz="1100" dirty="0">
+              <a:rPr lang="en-US" sz="1200" dirty="0">
                 <a:solidFill>
                   <a:srgbClr val="A9B7C6"/>
                 </a:solidFill>
@@ -12708,7 +12973,7 @@
               <a:t>: </a:t>
             </a:r>
             <a:r>
-              <a:rPr lang="en-US" sz="1100" dirty="0">
+              <a:rPr lang="en-US" sz="1200" dirty="0">
                 <a:solidFill>
                   <a:srgbClr val="CC7833"/>
                 </a:solidFill>
@@ -12717,7 +12982,7 @@
               <a:t>true</a:t>
             </a:r>
             <a:r>
-              <a:rPr lang="en-US" sz="1100" dirty="0">
+              <a:rPr lang="en-US" sz="1200" dirty="0">
                 <a:solidFill>
                   <a:srgbClr val="A9B7C6"/>
                 </a:solidFill>
@@ -12726,14 +12991,14 @@
               <a:t>)</a:t>
             </a:r>
             <a:br>
-              <a:rPr lang="en-US" sz="1100" dirty="0">
+              <a:rPr lang="en-US" sz="1200" dirty="0">
                 <a:solidFill>
                   <a:srgbClr val="A9B7C6"/>
                 </a:solidFill>
                 <a:latin typeface="Courier New"/>
               </a:rPr>
             </a:br>
-            <a:endParaRPr lang="en-US" sz="1100" dirty="0">
+            <a:endParaRPr lang="en-US" sz="1200" dirty="0">
               <a:solidFill>
                 <a:srgbClr val="A9B7C6"/>
               </a:solidFill>
@@ -12794,7 +13059,15 @@
           <a:bodyPr/>
           <a:lstStyle/>
           <a:p>
-            <a:endParaRPr lang="en-US"/>
+            <a:r>
+              <a:rPr lang="en-US" dirty="0"/>
+              <a:t>mdTranslator in Ruby </a:t>
+            </a:r>
+            <a:r>
+              <a:rPr lang="en-US" dirty="0" smtClean="0"/>
+              <a:t>3</a:t>
+            </a:r>
+            <a:endParaRPr lang="en-US" dirty="0"/>
           </a:p>
         </p:txBody>
       </p:sp>
@@ -12948,7 +13221,7 @@
                   </a:srgbClr>
                 </a:solidFill>
               </a:rPr>
-              <a:t>5/5/2015</a:t>
+              <a:t>5/6/2015</a:t>
             </a:fld>
             <a:endParaRPr lang="en-US" dirty="0">
               <a:solidFill>
@@ -12988,13 +13261,6 @@
               </a:rPr>
               <a:t>www.adiwg.org</a:t>
             </a:r>
-            <a:endParaRPr lang="en-US" dirty="0" smtClean="0">
-              <a:solidFill>
-                <a:srgbClr val="04617B">
-                  <a:shade val="90000"/>
-                </a:srgbClr>
-              </a:solidFill>
-            </a:endParaRPr>
           </a:p>
         </p:txBody>
       </p:sp>
@@ -13047,8 +13313,8 @@
         </p:nvSpPr>
         <p:spPr>
           <a:xfrm>
-            <a:off x="1905000" y="2075527"/>
-            <a:ext cx="5105400" cy="1277273"/>
+            <a:off x="1371600" y="2075527"/>
+            <a:ext cx="6400800" cy="1200329"/>
           </a:xfrm>
           <a:prstGeom prst="rect">
             <a:avLst/>
@@ -13077,7 +13343,7 @@
           <a:lstStyle/>
           <a:p>
             <a:r>
-              <a:rPr lang="en-US" sz="1100" i="1" dirty="0">
+              <a:rPr lang="en-US" sz="1200" i="1" dirty="0">
                 <a:solidFill>
                   <a:srgbClr val="BC9458"/>
                 </a:solidFill>
@@ -13086,7 +13352,7 @@
               <a:t># extract the metadata output from the returned metadata hash</a:t>
             </a:r>
             <a:br>
-              <a:rPr lang="en-US" sz="1100" i="1" dirty="0">
+              <a:rPr lang="en-US" sz="1200" i="1" dirty="0">
                 <a:solidFill>
                   <a:srgbClr val="BC9458"/>
                 </a:solidFill>
@@ -13094,7 +13360,7 @@
               </a:rPr>
             </a:br>
             <a:r>
-              <a:rPr lang="en-US" sz="1100" dirty="0">
+              <a:rPr lang="en-US" sz="1200" dirty="0">
                 <a:solidFill>
                   <a:srgbClr val="CC7833"/>
                 </a:solidFill>
@@ -13103,7 +13369,7 @@
               <a:t>if !</a:t>
             </a:r>
             <a:r>
-              <a:rPr lang="en-US" sz="1100" b="1" dirty="0">
+              <a:rPr lang="en-US" sz="1200" b="1" dirty="0">
                 <a:solidFill>
                   <a:srgbClr val="0096DF"/>
                 </a:solidFill>
@@ -13112,7 +13378,7 @@
               <a:t>metadata</a:t>
             </a:r>
             <a:r>
-              <a:rPr lang="en-US" sz="1100" dirty="0">
+              <a:rPr lang="en-US" sz="1200" dirty="0">
                 <a:solidFill>
                   <a:srgbClr val="A9B7C6"/>
                 </a:solidFill>
@@ -13121,7 +13387,7 @@
               <a:t>[</a:t>
             </a:r>
             <a:r>
-              <a:rPr lang="en-US" sz="1100" dirty="0">
+              <a:rPr lang="en-US" sz="1200" dirty="0">
                 <a:solidFill>
                   <a:srgbClr val="6E9CBE"/>
                 </a:solidFill>
@@ -13130,7 +13396,7 @@
               <a:t>:</a:t>
             </a:r>
             <a:r>
-              <a:rPr lang="en-US" sz="1100" dirty="0" err="1">
+              <a:rPr lang="en-US" sz="1200" dirty="0" err="1">
                 <a:solidFill>
                   <a:srgbClr val="6E9CBE"/>
                 </a:solidFill>
@@ -13139,7 +13405,7 @@
               <a:t>writerOutput</a:t>
             </a:r>
             <a:r>
-              <a:rPr lang="en-US" sz="1100" dirty="0">
+              <a:rPr lang="en-US" sz="1200" dirty="0">
                 <a:solidFill>
                   <a:srgbClr val="A9B7C6"/>
                 </a:solidFill>
@@ -13148,7 +13414,7 @@
               <a:t>].nil?</a:t>
             </a:r>
             <a:br>
-              <a:rPr lang="en-US" sz="1100" dirty="0">
+              <a:rPr lang="en-US" sz="1200" dirty="0">
                 <a:solidFill>
                   <a:srgbClr val="A9B7C6"/>
                 </a:solidFill>
@@ -13156,7 +13422,7 @@
               </a:rPr>
             </a:br>
             <a:r>
-              <a:rPr lang="en-US" sz="1100" dirty="0">
+              <a:rPr lang="en-US" sz="1200" dirty="0">
                 <a:solidFill>
                   <a:srgbClr val="A9B7C6"/>
                 </a:solidFill>
@@ -13165,7 +13431,7 @@
               <a:t>    </a:t>
             </a:r>
             <a:r>
-              <a:rPr lang="en-US" sz="1100" b="1" dirty="0" err="1">
+              <a:rPr lang="en-US" sz="1200" b="1" dirty="0" err="1">
                 <a:solidFill>
                   <a:srgbClr val="0096DF"/>
                 </a:solidFill>
@@ -13174,7 +13440,7 @@
               <a:t>writerOut</a:t>
             </a:r>
             <a:r>
-              <a:rPr lang="en-US" sz="1100" b="1" dirty="0">
+              <a:rPr lang="en-US" sz="1200" b="1" dirty="0">
                 <a:solidFill>
                   <a:srgbClr val="0096DF"/>
                 </a:solidFill>
@@ -13183,7 +13449,7 @@
               <a:t> </a:t>
             </a:r>
             <a:r>
-              <a:rPr lang="en-US" sz="1100" dirty="0">
+              <a:rPr lang="en-US" sz="1200" dirty="0">
                 <a:solidFill>
                   <a:srgbClr val="CC7833"/>
                 </a:solidFill>
@@ -13192,7 +13458,7 @@
               <a:t>= </a:t>
             </a:r>
             <a:r>
-              <a:rPr lang="en-US" sz="1100" b="1" dirty="0">
+              <a:rPr lang="en-US" sz="1200" b="1" dirty="0">
                 <a:solidFill>
                   <a:srgbClr val="0096DF"/>
                 </a:solidFill>
@@ -13201,7 +13467,7 @@
               <a:t>metadata</a:t>
             </a:r>
             <a:r>
-              <a:rPr lang="en-US" sz="1100" dirty="0">
+              <a:rPr lang="en-US" sz="1200" dirty="0">
                 <a:solidFill>
                   <a:srgbClr val="A9B7C6"/>
                 </a:solidFill>
@@ -13210,7 +13476,7 @@
               <a:t>[</a:t>
             </a:r>
             <a:r>
-              <a:rPr lang="en-US" sz="1100" dirty="0">
+              <a:rPr lang="en-US" sz="1200" dirty="0">
                 <a:solidFill>
                   <a:srgbClr val="6E9CBE"/>
                 </a:solidFill>
@@ -13219,7 +13485,7 @@
               <a:t>:</a:t>
             </a:r>
             <a:r>
-              <a:rPr lang="en-US" sz="1100" dirty="0" err="1">
+              <a:rPr lang="en-US" sz="1200" dirty="0" err="1">
                 <a:solidFill>
                   <a:srgbClr val="6E9CBE"/>
                 </a:solidFill>
@@ -13228,7 +13494,7 @@
               <a:t>writerOutput</a:t>
             </a:r>
             <a:r>
-              <a:rPr lang="en-US" sz="1100" dirty="0">
+              <a:rPr lang="en-US" sz="1200" dirty="0">
                 <a:solidFill>
                   <a:srgbClr val="A9B7C6"/>
                 </a:solidFill>
@@ -13237,7 +13503,7 @@
               <a:t>]</a:t>
             </a:r>
             <a:br>
-              <a:rPr lang="en-US" sz="1100" dirty="0">
+              <a:rPr lang="en-US" sz="1200" dirty="0">
                 <a:solidFill>
                   <a:srgbClr val="A9B7C6"/>
                 </a:solidFill>
@@ -13245,7 +13511,7 @@
               </a:rPr>
             </a:br>
             <a:r>
-              <a:rPr lang="en-US" sz="1100" dirty="0">
+              <a:rPr lang="en-US" sz="1200" dirty="0">
                 <a:solidFill>
                   <a:srgbClr val="A9B7C6"/>
                 </a:solidFill>
@@ -13254,7 +13520,7 @@
               <a:t>    </a:t>
             </a:r>
             <a:r>
-              <a:rPr lang="en-US" sz="1100" b="1" dirty="0">
+              <a:rPr lang="en-US" sz="1200" b="1" dirty="0">
                 <a:solidFill>
                   <a:srgbClr val="0096DF"/>
                 </a:solidFill>
@@ -13263,7 +13529,7 @@
               <a:t>metadata</a:t>
             </a:r>
             <a:r>
-              <a:rPr lang="en-US" sz="1100" dirty="0">
+              <a:rPr lang="en-US" sz="1200" dirty="0">
                 <a:solidFill>
                   <a:srgbClr val="A9B7C6"/>
                 </a:solidFill>
@@ -13272,7 +13538,7 @@
               <a:t>[</a:t>
             </a:r>
             <a:r>
-              <a:rPr lang="en-US" sz="1100" dirty="0">
+              <a:rPr lang="en-US" sz="1200" dirty="0">
                 <a:solidFill>
                   <a:srgbClr val="6E9CBE"/>
                 </a:solidFill>
@@ -13281,7 +13547,7 @@
               <a:t>:</a:t>
             </a:r>
             <a:r>
-              <a:rPr lang="en-US" sz="1100" dirty="0" err="1">
+              <a:rPr lang="en-US" sz="1200" dirty="0" err="1">
                 <a:solidFill>
                   <a:srgbClr val="6E9CBE"/>
                 </a:solidFill>
@@ -13290,7 +13556,7 @@
               <a:t>writerOutput</a:t>
             </a:r>
             <a:r>
-              <a:rPr lang="en-US" sz="1100" dirty="0">
+              <a:rPr lang="en-US" sz="1200" dirty="0">
                 <a:solidFill>
                   <a:srgbClr val="A9B7C6"/>
                 </a:solidFill>
@@ -13299,7 +13565,7 @@
               <a:t>] </a:t>
             </a:r>
             <a:r>
-              <a:rPr lang="en-US" sz="1100" dirty="0">
+              <a:rPr lang="en-US" sz="1200" dirty="0">
                 <a:solidFill>
                   <a:srgbClr val="CC7833"/>
                 </a:solidFill>
@@ -13308,7 +13574,7 @@
               <a:t>= </a:t>
             </a:r>
             <a:r>
-              <a:rPr lang="en-US" sz="1100" dirty="0">
+              <a:rPr lang="en-US" sz="1200" dirty="0">
                 <a:solidFill>
                   <a:srgbClr val="A5C25C"/>
                 </a:solidFill>
@@ -13317,7 +13583,7 @@
               <a:t>'Extracted'</a:t>
             </a:r>
             <a:br>
-              <a:rPr lang="en-US" sz="1100" dirty="0">
+              <a:rPr lang="en-US" sz="1200" dirty="0">
                 <a:solidFill>
                   <a:srgbClr val="A5C25C"/>
                 </a:solidFill>
@@ -13325,7 +13591,7 @@
               </a:rPr>
             </a:br>
             <a:r>
-              <a:rPr lang="en-US" sz="1100" dirty="0">
+              <a:rPr lang="en-US" sz="1200" dirty="0">
                 <a:solidFill>
                   <a:srgbClr val="CC7833"/>
                 </a:solidFill>
@@ -13334,14 +13600,14 @@
               <a:t>end</a:t>
             </a:r>
             <a:br>
-              <a:rPr lang="en-US" sz="1100" dirty="0">
+              <a:rPr lang="en-US" sz="1200" dirty="0">
                 <a:solidFill>
                   <a:srgbClr val="CC7833"/>
                 </a:solidFill>
                 <a:latin typeface="Courier New"/>
               </a:rPr>
             </a:br>
-            <a:endParaRPr lang="en-US" sz="1100" dirty="0">
+            <a:endParaRPr lang="en-US" sz="1200" dirty="0">
               <a:solidFill>
                 <a:srgbClr val="CC7833"/>
               </a:solidFill>
@@ -13358,8 +13624,8 @@
         </p:nvSpPr>
         <p:spPr>
           <a:xfrm>
-            <a:off x="1905000" y="4419600"/>
-            <a:ext cx="5105400" cy="769441"/>
+            <a:off x="1371600" y="4419600"/>
+            <a:ext cx="6400800" cy="830997"/>
           </a:xfrm>
           <a:prstGeom prst="rect">
             <a:avLst/>
@@ -13388,7 +13654,7 @@
           <a:lstStyle/>
           <a:p>
             <a:r>
-              <a:rPr lang="en-US" sz="1100" i="1" dirty="0">
+              <a:rPr lang="en-US" sz="1200" i="1" dirty="0">
                 <a:solidFill>
                   <a:srgbClr val="BC9458"/>
                 </a:solidFill>
@@ -13397,7 +13663,7 @@
               <a:t># send the metadata output to a file</a:t>
             </a:r>
             <a:br>
-              <a:rPr lang="en-US" sz="1100" i="1" dirty="0">
+              <a:rPr lang="en-US" sz="1200" i="1" dirty="0">
                 <a:solidFill>
                   <a:srgbClr val="BC9458"/>
                 </a:solidFill>
@@ -13405,7 +13671,7 @@
               </a:rPr>
             </a:br>
             <a:r>
-              <a:rPr lang="en-US" sz="1100" dirty="0" err="1">
+              <a:rPr lang="en-US" sz="1200" dirty="0" err="1">
                 <a:solidFill>
                   <a:srgbClr val="DA4939"/>
                 </a:solidFill>
@@ -13414,7 +13680,7 @@
               <a:t>File</a:t>
             </a:r>
             <a:r>
-              <a:rPr lang="en-US" sz="1100" dirty="0" err="1">
+              <a:rPr lang="en-US" sz="1200" dirty="0" err="1">
                 <a:solidFill>
                   <a:srgbClr val="A9B7C6"/>
                 </a:solidFill>
@@ -13423,7 +13689,7 @@
               <a:t>.open</a:t>
             </a:r>
             <a:r>
-              <a:rPr lang="en-US" sz="1100" dirty="0">
+              <a:rPr lang="en-US" sz="1200" dirty="0">
                 <a:solidFill>
                   <a:srgbClr val="A9B7C6"/>
                 </a:solidFill>
@@ -13432,7 +13698,7 @@
               <a:t>(</a:t>
             </a:r>
             <a:r>
-              <a:rPr lang="en-US" sz="1100" dirty="0">
+              <a:rPr lang="en-US" sz="1200" dirty="0">
                 <a:solidFill>
                   <a:srgbClr val="A5C25C"/>
                 </a:solidFill>
@@ -13441,7 +13707,7 @@
               <a:t>'C:\Users</a:t>
             </a:r>
             <a:r>
-              <a:rPr lang="en-US" sz="1100" dirty="0" smtClean="0">
+              <a:rPr lang="en-US" sz="1200" dirty="0" smtClean="0">
                 <a:solidFill>
                   <a:srgbClr val="A5C25C"/>
                 </a:solidFill>
@@ -13450,7 +13716,7 @@
               <a:t>\...\</a:t>
             </a:r>
             <a:r>
-              <a:rPr lang="en-US" sz="1100" dirty="0">
+              <a:rPr lang="en-US" sz="1200" dirty="0">
                 <a:solidFill>
                   <a:srgbClr val="A5C25C"/>
                 </a:solidFill>
@@ -13459,7 +13725,7 @@
               <a:t>mdOutput.xml'</a:t>
             </a:r>
             <a:r>
-              <a:rPr lang="en-US" sz="1100" dirty="0">
+              <a:rPr lang="en-US" sz="1200" dirty="0">
                 <a:solidFill>
                   <a:srgbClr val="CC7832"/>
                 </a:solidFill>
@@ -13468,7 +13734,7 @@
               <a:t>, </a:t>
             </a:r>
             <a:r>
-              <a:rPr lang="en-US" sz="1100" dirty="0">
+              <a:rPr lang="en-US" sz="1200" dirty="0">
                 <a:solidFill>
                   <a:srgbClr val="A5C25C"/>
                 </a:solidFill>
@@ -13477,7 +13743,7 @@
               <a:t>'w'</a:t>
             </a:r>
             <a:r>
-              <a:rPr lang="en-US" sz="1100" dirty="0">
+              <a:rPr lang="en-US" sz="1200" dirty="0">
                 <a:solidFill>
                   <a:srgbClr val="A9B7C6"/>
                 </a:solidFill>
@@ -13486,7 +13752,7 @@
               <a:t>) { </a:t>
             </a:r>
             <a:r>
-              <a:rPr lang="en-US" sz="1100" dirty="0">
+              <a:rPr lang="en-US" sz="1200" dirty="0">
                 <a:solidFill>
                   <a:srgbClr val="CC7833"/>
                 </a:solidFill>
@@ -13495,7 +13761,7 @@
               <a:t>|</a:t>
             </a:r>
             <a:r>
-              <a:rPr lang="en-US" sz="1100" dirty="0">
+              <a:rPr lang="en-US" sz="1200" dirty="0">
                 <a:solidFill>
                   <a:srgbClr val="C37522"/>
                 </a:solidFill>
@@ -13504,7 +13770,7 @@
               <a:t>file</a:t>
             </a:r>
             <a:r>
-              <a:rPr lang="en-US" sz="1100" dirty="0">
+              <a:rPr lang="en-US" sz="1200" dirty="0">
                 <a:solidFill>
                   <a:srgbClr val="CC7833"/>
                 </a:solidFill>
@@ -13513,7 +13779,7 @@
               <a:t>| </a:t>
             </a:r>
             <a:r>
-              <a:rPr lang="en-US" sz="1100" dirty="0" err="1">
+              <a:rPr lang="en-US" sz="1200" dirty="0" err="1">
                 <a:solidFill>
                   <a:srgbClr val="C37522"/>
                 </a:solidFill>
@@ -13522,7 +13788,7 @@
               <a:t>file</a:t>
             </a:r>
             <a:r>
-              <a:rPr lang="en-US" sz="1100" dirty="0" err="1">
+              <a:rPr lang="en-US" sz="1200" dirty="0" err="1">
                 <a:solidFill>
                   <a:srgbClr val="A9B7C6"/>
                 </a:solidFill>
@@ -13531,7 +13797,7 @@
               <a:t>.write</a:t>
             </a:r>
             <a:r>
-              <a:rPr lang="en-US" sz="1100" dirty="0">
+              <a:rPr lang="en-US" sz="1200" dirty="0">
                 <a:solidFill>
                   <a:srgbClr val="A9B7C6"/>
                 </a:solidFill>
@@ -13540,7 +13806,7 @@
               <a:t>(</a:t>
             </a:r>
             <a:r>
-              <a:rPr lang="en-US" sz="1100" b="1" dirty="0" err="1">
+              <a:rPr lang="en-US" sz="1200" b="1" dirty="0" err="1">
                 <a:solidFill>
                   <a:srgbClr val="0096DF"/>
                 </a:solidFill>
@@ -13549,7 +13815,7 @@
               <a:t>writerOut</a:t>
             </a:r>
             <a:r>
-              <a:rPr lang="en-US" sz="1100" dirty="0">
+              <a:rPr lang="en-US" sz="1200" dirty="0">
                 <a:solidFill>
                   <a:srgbClr val="A9B7C6"/>
                 </a:solidFill>
@@ -13558,14 +13824,14 @@
               <a:t>) }</a:t>
             </a:r>
             <a:br>
-              <a:rPr lang="en-US" sz="1100" dirty="0">
+              <a:rPr lang="en-US" sz="1200" dirty="0">
                 <a:solidFill>
                   <a:srgbClr val="A9B7C6"/>
                 </a:solidFill>
                 <a:latin typeface="Courier New"/>
               </a:rPr>
             </a:br>
-            <a:endParaRPr lang="en-US" sz="1100" dirty="0">
+            <a:endParaRPr lang="en-US" sz="1200" dirty="0">
               <a:solidFill>
                 <a:srgbClr val="A9B7C6"/>
               </a:solidFill>
@@ -13626,7 +13892,15 @@
           <a:bodyPr/>
           <a:lstStyle/>
           <a:p>
-            <a:endParaRPr lang="en-US"/>
+            <a:r>
+              <a:rPr lang="en-US" dirty="0"/>
+              <a:t>mdTranslator in Ruby </a:t>
+            </a:r>
+            <a:r>
+              <a:rPr lang="en-US" dirty="0" smtClean="0"/>
+              <a:t>4</a:t>
+            </a:r>
+            <a:endParaRPr lang="en-US" dirty="0"/>
           </a:p>
         </p:txBody>
       </p:sp>
@@ -13660,7 +13934,15 @@
             <a:pPr lvl="1"/>
             <a:r>
               <a:rPr lang="en-US" sz="1400" dirty="0" smtClean="0"/>
-              <a:t>Examine the ‘return hash’</a:t>
+              <a:t>Examine </a:t>
+            </a:r>
+            <a:r>
+              <a:rPr lang="en-US" sz="1400" dirty="0" smtClean="0"/>
+              <a:t>other elements of the ‘return </a:t>
+            </a:r>
+            <a:r>
+              <a:rPr lang="en-US" sz="1400" dirty="0" smtClean="0"/>
+              <a:t>hash’</a:t>
             </a:r>
           </a:p>
           <a:p>
@@ -13719,8 +14001,9 @@
             <a:pPr lvl="1"/>
             <a:r>
               <a:rPr lang="en-US" sz="1400" dirty="0" smtClean="0"/>
-              <a:t>…</a:t>
-            </a:r>
+              <a:t>Blah, blah, blah …</a:t>
+            </a:r>
+            <a:endParaRPr lang="en-US" sz="1400" dirty="0" smtClean="0"/>
           </a:p>
           <a:p>
             <a:pPr lvl="1"/>
@@ -13754,7 +14037,7 @@
                   </a:srgbClr>
                 </a:solidFill>
               </a:rPr>
-              <a:t>5/5/2015</a:t>
+              <a:t>5/6/2015</a:t>
             </a:fld>
             <a:endParaRPr lang="en-US" dirty="0">
               <a:solidFill>
@@ -13853,8 +14136,8 @@
         </p:nvSpPr>
         <p:spPr>
           <a:xfrm>
-            <a:off x="1905000" y="2286000"/>
-            <a:ext cx="5105400" cy="769441"/>
+            <a:off x="1371600" y="2286000"/>
+            <a:ext cx="6400800" cy="830997"/>
           </a:xfrm>
           <a:prstGeom prst="rect">
             <a:avLst/>
@@ -13883,7 +14166,7 @@
           <a:lstStyle/>
           <a:p>
             <a:r>
-              <a:rPr lang="en-US" sz="1100" i="1" dirty="0">
+              <a:rPr lang="en-US" sz="1200" i="1" dirty="0">
                 <a:solidFill>
                   <a:srgbClr val="BC9458"/>
                 </a:solidFill>
@@ -13892,7 +14175,7 @@
               <a:t># show metadata returned hash</a:t>
             </a:r>
             <a:br>
-              <a:rPr lang="en-US" sz="1100" i="1" dirty="0">
+              <a:rPr lang="en-US" sz="1200" i="1" dirty="0">
                 <a:solidFill>
                   <a:srgbClr val="BC9458"/>
                 </a:solidFill>
@@ -13900,7 +14183,7 @@
               </a:rPr>
             </a:br>
             <a:r>
-              <a:rPr lang="en-US" sz="1100" dirty="0">
+              <a:rPr lang="en-US" sz="1200" dirty="0">
                 <a:solidFill>
                   <a:srgbClr val="DA4939"/>
                 </a:solidFill>
@@ -13909,7 +14192,7 @@
               <a:t>require </a:t>
             </a:r>
             <a:r>
-              <a:rPr lang="en-US" sz="1100" dirty="0">
+              <a:rPr lang="en-US" sz="1200" dirty="0">
                 <a:solidFill>
                   <a:srgbClr val="A5C25C"/>
                 </a:solidFill>
@@ -13918,7 +14201,7 @@
               <a:t>'pp'</a:t>
             </a:r>
             <a:br>
-              <a:rPr lang="en-US" sz="1100" dirty="0">
+              <a:rPr lang="en-US" sz="1200" dirty="0">
                 <a:solidFill>
                   <a:srgbClr val="A5C25C"/>
                 </a:solidFill>
@@ -13926,7 +14209,7 @@
               </a:rPr>
             </a:br>
             <a:r>
-              <a:rPr lang="en-US" sz="1100" dirty="0">
+              <a:rPr lang="en-US" sz="1200" dirty="0">
                 <a:solidFill>
                   <a:srgbClr val="A9B7C6"/>
                 </a:solidFill>
@@ -13935,7 +14218,7 @@
               <a:t>pp </a:t>
             </a:r>
             <a:r>
-              <a:rPr lang="en-US" sz="1100" b="1" dirty="0">
+              <a:rPr lang="en-US" sz="1200" b="1" dirty="0">
                 <a:solidFill>
                   <a:srgbClr val="0096DF"/>
                 </a:solidFill>
@@ -13944,14 +14227,14 @@
               <a:t>metadata</a:t>
             </a:r>
             <a:br>
-              <a:rPr lang="en-US" sz="1100" b="1" dirty="0">
+              <a:rPr lang="en-US" sz="1200" b="1" dirty="0">
                 <a:solidFill>
                   <a:srgbClr val="0096DF"/>
                 </a:solidFill>
                 <a:latin typeface="Courier New"/>
               </a:rPr>
             </a:br>
-            <a:endParaRPr lang="en-US" sz="1100" b="1" dirty="0">
+            <a:endParaRPr lang="en-US" sz="1200" b="1" dirty="0">
               <a:solidFill>
                 <a:srgbClr val="0096DF"/>
               </a:solidFill>
@@ -14046,7 +14329,7 @@
                   </a:srgbClr>
                 </a:solidFill>
               </a:rPr>
-              <a:t>5/5/2015</a:t>
+              <a:t>5/6/2015</a:t>
             </a:fld>
             <a:endParaRPr lang="en-US" dirty="0">
               <a:solidFill>
